--- a/ppt 16-9/0500.中国的早晨五点.pptx
+++ b/ppt 16-9/0500.中国的早晨五点.pptx
@@ -5,7 +5,7 @@
     <p:sldMasterId id="2147483648" r:id="rId1"/>
   </p:sldMasterIdLst>
   <p:sldIdLst>
-    <p:sldId id="3012" r:id="rId2"/>
+    <p:sldId id="3014" r:id="rId2"/>
   </p:sldIdLst>
   <p:sldSz cx="12192000" cy="6858000"/>
   <p:notesSz cx="6858000" cy="9144000"/>
@@ -129,7 +129,7 @@
           <p:cNvPr id="2" name="标题 1">
             <a:extLst>
               <a:ext uri="{FF2B5EF4-FFF2-40B4-BE49-F238E27FC236}">
-                <a16:creationId xmlns:a16="http://schemas.microsoft.com/office/drawing/2014/main" id="{6E6E2EE8-51FC-01E0-AB1C-76D81B5825E2}"/>
+                <a16:creationId xmlns:a16="http://schemas.microsoft.com/office/drawing/2014/main" id="{01C93776-8CFD-F048-8A68-6470B8F38E21}"/>
               </a:ext>
             </a:extLst>
           </p:cNvPr>
@@ -166,7 +166,7 @@
           <p:cNvPr id="3" name="副标题 2">
             <a:extLst>
               <a:ext uri="{FF2B5EF4-FFF2-40B4-BE49-F238E27FC236}">
-                <a16:creationId xmlns:a16="http://schemas.microsoft.com/office/drawing/2014/main" id="{6430AA82-98E4-6B85-ED68-2AB25E6CA774}"/>
+                <a16:creationId xmlns:a16="http://schemas.microsoft.com/office/drawing/2014/main" id="{80A5B642-9BD5-15DA-4D03-7712968F66AE}"/>
               </a:ext>
             </a:extLst>
           </p:cNvPr>
@@ -236,7 +236,7 @@
           <p:cNvPr id="4" name="日期占位符 3">
             <a:extLst>
               <a:ext uri="{FF2B5EF4-FFF2-40B4-BE49-F238E27FC236}">
-                <a16:creationId xmlns:a16="http://schemas.microsoft.com/office/drawing/2014/main" id="{68575569-AABE-599B-04E3-1B4FAA453966}"/>
+                <a16:creationId xmlns:a16="http://schemas.microsoft.com/office/drawing/2014/main" id="{5FB263AE-E0D0-F88F-DE27-B63138E09C6D}"/>
               </a:ext>
             </a:extLst>
           </p:cNvPr>
@@ -252,7 +252,7 @@
           <a:bodyPr/>
           <a:lstStyle/>
           <a:p>
-            <a:fld id="{192A2C12-CB33-4C35-8235-4AF5959A2EAA}" type="datetimeFigureOut">
+            <a:fld id="{F5DB75EA-6DD8-46CB-B96D-7F4B58669B39}" type="datetimeFigureOut">
               <a:rPr lang="zh-CN" altLang="en-US" smtClean="0"/>
               <a:t>2024/3/10</a:t>
             </a:fld>
@@ -265,7 +265,7 @@
           <p:cNvPr id="5" name="页脚占位符 4">
             <a:extLst>
               <a:ext uri="{FF2B5EF4-FFF2-40B4-BE49-F238E27FC236}">
-                <a16:creationId xmlns:a16="http://schemas.microsoft.com/office/drawing/2014/main" id="{03211F83-9076-BE9D-A5F3-8CF7F2793A51}"/>
+                <a16:creationId xmlns:a16="http://schemas.microsoft.com/office/drawing/2014/main" id="{3F742D24-D70E-23B5-51E1-4DF287481ECF}"/>
               </a:ext>
             </a:extLst>
           </p:cNvPr>
@@ -290,7 +290,7 @@
           <p:cNvPr id="6" name="灯片编号占位符 5">
             <a:extLst>
               <a:ext uri="{FF2B5EF4-FFF2-40B4-BE49-F238E27FC236}">
-                <a16:creationId xmlns:a16="http://schemas.microsoft.com/office/drawing/2014/main" id="{C1C4AC8B-6FA8-5E91-C9CB-A1D91B212BA2}"/>
+                <a16:creationId xmlns:a16="http://schemas.microsoft.com/office/drawing/2014/main" id="{8147502A-3CC1-96D1-27D4-88D23798F11D}"/>
               </a:ext>
             </a:extLst>
           </p:cNvPr>
@@ -306,7 +306,7 @@
           <a:bodyPr/>
           <a:lstStyle/>
           <a:p>
-            <a:fld id="{006BC9CF-6EEB-49D4-9DC8-1C5B83F5C556}" type="slidenum">
+            <a:fld id="{3A0CD689-1B7D-476A-9109-2A72EC7AB650}" type="slidenum">
               <a:rPr lang="zh-CN" altLang="en-US" smtClean="0"/>
               <a:t>‹#›</a:t>
             </a:fld>
@@ -317,7 +317,7 @@
     </p:spTree>
     <p:extLst>
       <p:ext uri="{BB962C8B-B14F-4D97-AF65-F5344CB8AC3E}">
-        <p14:creationId xmlns:p14="http://schemas.microsoft.com/office/powerpoint/2010/main" val="2439507044"/>
+        <p14:creationId xmlns:p14="http://schemas.microsoft.com/office/powerpoint/2010/main" val="94604670"/>
       </p:ext>
     </p:extLst>
   </p:cSld>
@@ -349,7 +349,7 @@
           <p:cNvPr id="2" name="标题 1">
             <a:extLst>
               <a:ext uri="{FF2B5EF4-FFF2-40B4-BE49-F238E27FC236}">
-                <a16:creationId xmlns:a16="http://schemas.microsoft.com/office/drawing/2014/main" id="{830AA326-1AD1-99D2-5B07-EAD522FBA55C}"/>
+                <a16:creationId xmlns:a16="http://schemas.microsoft.com/office/drawing/2014/main" id="{D11D0F63-D731-B52F-5460-540A529E9CFC}"/>
               </a:ext>
             </a:extLst>
           </p:cNvPr>
@@ -377,7 +377,7 @@
           <p:cNvPr id="3" name="竖排文字占位符 2">
             <a:extLst>
               <a:ext uri="{FF2B5EF4-FFF2-40B4-BE49-F238E27FC236}">
-                <a16:creationId xmlns:a16="http://schemas.microsoft.com/office/drawing/2014/main" id="{67B760BD-5B3E-7A61-68B3-25E9BB7C934E}"/>
+                <a16:creationId xmlns:a16="http://schemas.microsoft.com/office/drawing/2014/main" id="{40B22F34-BF27-6643-8226-0B5EAEE374D0}"/>
               </a:ext>
             </a:extLst>
           </p:cNvPr>
@@ -434,7 +434,7 @@
           <p:cNvPr id="4" name="日期占位符 3">
             <a:extLst>
               <a:ext uri="{FF2B5EF4-FFF2-40B4-BE49-F238E27FC236}">
-                <a16:creationId xmlns:a16="http://schemas.microsoft.com/office/drawing/2014/main" id="{C579EB6F-69C3-C067-B61C-4D1B6C0BA7DF}"/>
+                <a16:creationId xmlns:a16="http://schemas.microsoft.com/office/drawing/2014/main" id="{BF991B10-25A2-4BBA-2B75-AA1B20936264}"/>
               </a:ext>
             </a:extLst>
           </p:cNvPr>
@@ -450,7 +450,7 @@
           <a:bodyPr/>
           <a:lstStyle/>
           <a:p>
-            <a:fld id="{192A2C12-CB33-4C35-8235-4AF5959A2EAA}" type="datetimeFigureOut">
+            <a:fld id="{F5DB75EA-6DD8-46CB-B96D-7F4B58669B39}" type="datetimeFigureOut">
               <a:rPr lang="zh-CN" altLang="en-US" smtClean="0"/>
               <a:t>2024/3/10</a:t>
             </a:fld>
@@ -463,7 +463,7 @@
           <p:cNvPr id="5" name="页脚占位符 4">
             <a:extLst>
               <a:ext uri="{FF2B5EF4-FFF2-40B4-BE49-F238E27FC236}">
-                <a16:creationId xmlns:a16="http://schemas.microsoft.com/office/drawing/2014/main" id="{0575B8BD-5C4D-33C5-7803-CE5A63BCA36E}"/>
+                <a16:creationId xmlns:a16="http://schemas.microsoft.com/office/drawing/2014/main" id="{D149A79F-7F72-955E-BA9A-BA5CC799DECD}"/>
               </a:ext>
             </a:extLst>
           </p:cNvPr>
@@ -488,7 +488,7 @@
           <p:cNvPr id="6" name="灯片编号占位符 5">
             <a:extLst>
               <a:ext uri="{FF2B5EF4-FFF2-40B4-BE49-F238E27FC236}">
-                <a16:creationId xmlns:a16="http://schemas.microsoft.com/office/drawing/2014/main" id="{8FB33DE1-A7A3-85BC-FCE3-9E921996F643}"/>
+                <a16:creationId xmlns:a16="http://schemas.microsoft.com/office/drawing/2014/main" id="{22E20E44-FA74-1DD6-7D86-97CA273E93E4}"/>
               </a:ext>
             </a:extLst>
           </p:cNvPr>
@@ -504,7 +504,7 @@
           <a:bodyPr/>
           <a:lstStyle/>
           <a:p>
-            <a:fld id="{006BC9CF-6EEB-49D4-9DC8-1C5B83F5C556}" type="slidenum">
+            <a:fld id="{3A0CD689-1B7D-476A-9109-2A72EC7AB650}" type="slidenum">
               <a:rPr lang="zh-CN" altLang="en-US" smtClean="0"/>
               <a:t>‹#›</a:t>
             </a:fld>
@@ -515,7 +515,7 @@
     </p:spTree>
     <p:extLst>
       <p:ext uri="{BB962C8B-B14F-4D97-AF65-F5344CB8AC3E}">
-        <p14:creationId xmlns:p14="http://schemas.microsoft.com/office/powerpoint/2010/main" val="2662015011"/>
+        <p14:creationId xmlns:p14="http://schemas.microsoft.com/office/powerpoint/2010/main" val="3052319361"/>
       </p:ext>
     </p:extLst>
   </p:cSld>
@@ -547,7 +547,7 @@
           <p:cNvPr id="2" name="竖排标题 1">
             <a:extLst>
               <a:ext uri="{FF2B5EF4-FFF2-40B4-BE49-F238E27FC236}">
-                <a16:creationId xmlns:a16="http://schemas.microsoft.com/office/drawing/2014/main" id="{B1FDB6BA-5226-224C-5589-7C14520581EB}"/>
+                <a16:creationId xmlns:a16="http://schemas.microsoft.com/office/drawing/2014/main" id="{127D5626-6905-250E-9301-66CDC201DCA4}"/>
               </a:ext>
             </a:extLst>
           </p:cNvPr>
@@ -580,7 +580,7 @@
           <p:cNvPr id="3" name="竖排文字占位符 2">
             <a:extLst>
               <a:ext uri="{FF2B5EF4-FFF2-40B4-BE49-F238E27FC236}">
-                <a16:creationId xmlns:a16="http://schemas.microsoft.com/office/drawing/2014/main" id="{949F7889-9C30-710F-7254-F8C2EFE8EF66}"/>
+                <a16:creationId xmlns:a16="http://schemas.microsoft.com/office/drawing/2014/main" id="{C301FFB7-792C-1E18-5A05-ECBEB8E74EB8}"/>
               </a:ext>
             </a:extLst>
           </p:cNvPr>
@@ -642,7 +642,7 @@
           <p:cNvPr id="4" name="日期占位符 3">
             <a:extLst>
               <a:ext uri="{FF2B5EF4-FFF2-40B4-BE49-F238E27FC236}">
-                <a16:creationId xmlns:a16="http://schemas.microsoft.com/office/drawing/2014/main" id="{46028F86-5F45-CC64-9B19-9475A7CF2360}"/>
+                <a16:creationId xmlns:a16="http://schemas.microsoft.com/office/drawing/2014/main" id="{808047D6-46E6-AB6C-0CF7-0A7992AB8CA3}"/>
               </a:ext>
             </a:extLst>
           </p:cNvPr>
@@ -658,7 +658,7 @@
           <a:bodyPr/>
           <a:lstStyle/>
           <a:p>
-            <a:fld id="{192A2C12-CB33-4C35-8235-4AF5959A2EAA}" type="datetimeFigureOut">
+            <a:fld id="{F5DB75EA-6DD8-46CB-B96D-7F4B58669B39}" type="datetimeFigureOut">
               <a:rPr lang="zh-CN" altLang="en-US" smtClean="0"/>
               <a:t>2024/3/10</a:t>
             </a:fld>
@@ -671,7 +671,7 @@
           <p:cNvPr id="5" name="页脚占位符 4">
             <a:extLst>
               <a:ext uri="{FF2B5EF4-FFF2-40B4-BE49-F238E27FC236}">
-                <a16:creationId xmlns:a16="http://schemas.microsoft.com/office/drawing/2014/main" id="{29CF05B8-8AD3-C6BB-D2EF-C4C86813FEAC}"/>
+                <a16:creationId xmlns:a16="http://schemas.microsoft.com/office/drawing/2014/main" id="{7AA9E1E8-20FA-4EB2-1B9B-FD056DABB21E}"/>
               </a:ext>
             </a:extLst>
           </p:cNvPr>
@@ -696,7 +696,7 @@
           <p:cNvPr id="6" name="灯片编号占位符 5">
             <a:extLst>
               <a:ext uri="{FF2B5EF4-FFF2-40B4-BE49-F238E27FC236}">
-                <a16:creationId xmlns:a16="http://schemas.microsoft.com/office/drawing/2014/main" id="{FF2F28C2-AB70-B79C-AC63-74AA6935A23C}"/>
+                <a16:creationId xmlns:a16="http://schemas.microsoft.com/office/drawing/2014/main" id="{9935F508-1BB4-D337-B60B-B70C9EF55B70}"/>
               </a:ext>
             </a:extLst>
           </p:cNvPr>
@@ -712,7 +712,7 @@
           <a:bodyPr/>
           <a:lstStyle/>
           <a:p>
-            <a:fld id="{006BC9CF-6EEB-49D4-9DC8-1C5B83F5C556}" type="slidenum">
+            <a:fld id="{3A0CD689-1B7D-476A-9109-2A72EC7AB650}" type="slidenum">
               <a:rPr lang="zh-CN" altLang="en-US" smtClean="0"/>
               <a:t>‹#›</a:t>
             </a:fld>
@@ -723,7 +723,7 @@
     </p:spTree>
     <p:extLst>
       <p:ext uri="{BB962C8B-B14F-4D97-AF65-F5344CB8AC3E}">
-        <p14:creationId xmlns:p14="http://schemas.microsoft.com/office/powerpoint/2010/main" val="1778114792"/>
+        <p14:creationId xmlns:p14="http://schemas.microsoft.com/office/powerpoint/2010/main" val="1432827402"/>
       </p:ext>
     </p:extLst>
   </p:cSld>
@@ -755,7 +755,7 @@
           <p:cNvPr id="2" name="标题 1">
             <a:extLst>
               <a:ext uri="{FF2B5EF4-FFF2-40B4-BE49-F238E27FC236}">
-                <a16:creationId xmlns:a16="http://schemas.microsoft.com/office/drawing/2014/main" id="{883729B3-7699-B587-B449-E59E5092EABE}"/>
+                <a16:creationId xmlns:a16="http://schemas.microsoft.com/office/drawing/2014/main" id="{F0DC2A2A-32D4-6C3C-4D40-8F8FBFDB7208}"/>
               </a:ext>
             </a:extLst>
           </p:cNvPr>
@@ -783,7 +783,7 @@
           <p:cNvPr id="3" name="内容占位符 2">
             <a:extLst>
               <a:ext uri="{FF2B5EF4-FFF2-40B4-BE49-F238E27FC236}">
-                <a16:creationId xmlns:a16="http://schemas.microsoft.com/office/drawing/2014/main" id="{928D6CD3-821A-84FA-DFC1-2A4FB3714818}"/>
+                <a16:creationId xmlns:a16="http://schemas.microsoft.com/office/drawing/2014/main" id="{4DFC3AFC-5B76-72AD-27AE-8716DDA8814B}"/>
               </a:ext>
             </a:extLst>
           </p:cNvPr>
@@ -840,7 +840,7 @@
           <p:cNvPr id="4" name="日期占位符 3">
             <a:extLst>
               <a:ext uri="{FF2B5EF4-FFF2-40B4-BE49-F238E27FC236}">
-                <a16:creationId xmlns:a16="http://schemas.microsoft.com/office/drawing/2014/main" id="{F17FBAEB-D46A-1FBC-5CFE-64E795C9BD88}"/>
+                <a16:creationId xmlns:a16="http://schemas.microsoft.com/office/drawing/2014/main" id="{28BE7E10-64F6-9995-4E0D-AA0ABE08AB1C}"/>
               </a:ext>
             </a:extLst>
           </p:cNvPr>
@@ -856,7 +856,7 @@
           <a:bodyPr/>
           <a:lstStyle/>
           <a:p>
-            <a:fld id="{192A2C12-CB33-4C35-8235-4AF5959A2EAA}" type="datetimeFigureOut">
+            <a:fld id="{F5DB75EA-6DD8-46CB-B96D-7F4B58669B39}" type="datetimeFigureOut">
               <a:rPr lang="zh-CN" altLang="en-US" smtClean="0"/>
               <a:t>2024/3/10</a:t>
             </a:fld>
@@ -869,7 +869,7 @@
           <p:cNvPr id="5" name="页脚占位符 4">
             <a:extLst>
               <a:ext uri="{FF2B5EF4-FFF2-40B4-BE49-F238E27FC236}">
-                <a16:creationId xmlns:a16="http://schemas.microsoft.com/office/drawing/2014/main" id="{AFE34691-8A06-E58F-C894-CFE70149EA48}"/>
+                <a16:creationId xmlns:a16="http://schemas.microsoft.com/office/drawing/2014/main" id="{D29E5AA4-C665-31E3-FAA6-173B0B52B448}"/>
               </a:ext>
             </a:extLst>
           </p:cNvPr>
@@ -894,7 +894,7 @@
           <p:cNvPr id="6" name="灯片编号占位符 5">
             <a:extLst>
               <a:ext uri="{FF2B5EF4-FFF2-40B4-BE49-F238E27FC236}">
-                <a16:creationId xmlns:a16="http://schemas.microsoft.com/office/drawing/2014/main" id="{D5127DAA-478A-ECDE-FF83-2949C3C4FDFA}"/>
+                <a16:creationId xmlns:a16="http://schemas.microsoft.com/office/drawing/2014/main" id="{32A8397F-1C1D-2B66-C184-25F301D1E86F}"/>
               </a:ext>
             </a:extLst>
           </p:cNvPr>
@@ -910,7 +910,7 @@
           <a:bodyPr/>
           <a:lstStyle/>
           <a:p>
-            <a:fld id="{006BC9CF-6EEB-49D4-9DC8-1C5B83F5C556}" type="slidenum">
+            <a:fld id="{3A0CD689-1B7D-476A-9109-2A72EC7AB650}" type="slidenum">
               <a:rPr lang="zh-CN" altLang="en-US" smtClean="0"/>
               <a:t>‹#›</a:t>
             </a:fld>
@@ -921,7 +921,7 @@
     </p:spTree>
     <p:extLst>
       <p:ext uri="{BB962C8B-B14F-4D97-AF65-F5344CB8AC3E}">
-        <p14:creationId xmlns:p14="http://schemas.microsoft.com/office/powerpoint/2010/main" val="569976467"/>
+        <p14:creationId xmlns:p14="http://schemas.microsoft.com/office/powerpoint/2010/main" val="621821076"/>
       </p:ext>
     </p:extLst>
   </p:cSld>
@@ -953,7 +953,7 @@
           <p:cNvPr id="2" name="标题 1">
             <a:extLst>
               <a:ext uri="{FF2B5EF4-FFF2-40B4-BE49-F238E27FC236}">
-                <a16:creationId xmlns:a16="http://schemas.microsoft.com/office/drawing/2014/main" id="{897F0926-EF73-04E9-5076-A0695A0FE81A}"/>
+                <a16:creationId xmlns:a16="http://schemas.microsoft.com/office/drawing/2014/main" id="{46319D02-4624-9093-1E92-C959C8B27190}"/>
               </a:ext>
             </a:extLst>
           </p:cNvPr>
@@ -990,7 +990,7 @@
           <p:cNvPr id="3" name="文本占位符 2">
             <a:extLst>
               <a:ext uri="{FF2B5EF4-FFF2-40B4-BE49-F238E27FC236}">
-                <a16:creationId xmlns:a16="http://schemas.microsoft.com/office/drawing/2014/main" id="{58D7BF0C-D8AB-2012-2C47-EFC25BC207A3}"/>
+                <a16:creationId xmlns:a16="http://schemas.microsoft.com/office/drawing/2014/main" id="{730B72BD-A40C-45C7-0FE9-559072E54279}"/>
               </a:ext>
             </a:extLst>
           </p:cNvPr>
@@ -1115,7 +1115,7 @@
           <p:cNvPr id="4" name="日期占位符 3">
             <a:extLst>
               <a:ext uri="{FF2B5EF4-FFF2-40B4-BE49-F238E27FC236}">
-                <a16:creationId xmlns:a16="http://schemas.microsoft.com/office/drawing/2014/main" id="{2D360444-2A07-44EB-BDC5-5EAF327F47F6}"/>
+                <a16:creationId xmlns:a16="http://schemas.microsoft.com/office/drawing/2014/main" id="{DC9D782F-2587-82CC-C00A-972FB05E772B}"/>
               </a:ext>
             </a:extLst>
           </p:cNvPr>
@@ -1131,7 +1131,7 @@
           <a:bodyPr/>
           <a:lstStyle/>
           <a:p>
-            <a:fld id="{192A2C12-CB33-4C35-8235-4AF5959A2EAA}" type="datetimeFigureOut">
+            <a:fld id="{F5DB75EA-6DD8-46CB-B96D-7F4B58669B39}" type="datetimeFigureOut">
               <a:rPr lang="zh-CN" altLang="en-US" smtClean="0"/>
               <a:t>2024/3/10</a:t>
             </a:fld>
@@ -1144,7 +1144,7 @@
           <p:cNvPr id="5" name="页脚占位符 4">
             <a:extLst>
               <a:ext uri="{FF2B5EF4-FFF2-40B4-BE49-F238E27FC236}">
-                <a16:creationId xmlns:a16="http://schemas.microsoft.com/office/drawing/2014/main" id="{E82EF0A1-0A87-5E75-B95A-095FE22D067D}"/>
+                <a16:creationId xmlns:a16="http://schemas.microsoft.com/office/drawing/2014/main" id="{20893DCB-CA94-B259-9383-3470CFBC2795}"/>
               </a:ext>
             </a:extLst>
           </p:cNvPr>
@@ -1169,7 +1169,7 @@
           <p:cNvPr id="6" name="灯片编号占位符 5">
             <a:extLst>
               <a:ext uri="{FF2B5EF4-FFF2-40B4-BE49-F238E27FC236}">
-                <a16:creationId xmlns:a16="http://schemas.microsoft.com/office/drawing/2014/main" id="{C53EEF2E-D76A-BBEB-4DF9-AD73B58C6089}"/>
+                <a16:creationId xmlns:a16="http://schemas.microsoft.com/office/drawing/2014/main" id="{311BC85B-7D67-5C6C-00BD-70588C043480}"/>
               </a:ext>
             </a:extLst>
           </p:cNvPr>
@@ -1185,7 +1185,7 @@
           <a:bodyPr/>
           <a:lstStyle/>
           <a:p>
-            <a:fld id="{006BC9CF-6EEB-49D4-9DC8-1C5B83F5C556}" type="slidenum">
+            <a:fld id="{3A0CD689-1B7D-476A-9109-2A72EC7AB650}" type="slidenum">
               <a:rPr lang="zh-CN" altLang="en-US" smtClean="0"/>
               <a:t>‹#›</a:t>
             </a:fld>
@@ -1196,7 +1196,7 @@
     </p:spTree>
     <p:extLst>
       <p:ext uri="{BB962C8B-B14F-4D97-AF65-F5344CB8AC3E}">
-        <p14:creationId xmlns:p14="http://schemas.microsoft.com/office/powerpoint/2010/main" val="398100429"/>
+        <p14:creationId xmlns:p14="http://schemas.microsoft.com/office/powerpoint/2010/main" val="1538131797"/>
       </p:ext>
     </p:extLst>
   </p:cSld>
@@ -1228,7 +1228,7 @@
           <p:cNvPr id="2" name="标题 1">
             <a:extLst>
               <a:ext uri="{FF2B5EF4-FFF2-40B4-BE49-F238E27FC236}">
-                <a16:creationId xmlns:a16="http://schemas.microsoft.com/office/drawing/2014/main" id="{7B5DF337-94DB-0303-F1B1-CDB0FE213127}"/>
+                <a16:creationId xmlns:a16="http://schemas.microsoft.com/office/drawing/2014/main" id="{AE32558F-B469-DC62-A916-95E424319420}"/>
               </a:ext>
             </a:extLst>
           </p:cNvPr>
@@ -1256,7 +1256,7 @@
           <p:cNvPr id="3" name="内容占位符 2">
             <a:extLst>
               <a:ext uri="{FF2B5EF4-FFF2-40B4-BE49-F238E27FC236}">
-                <a16:creationId xmlns:a16="http://schemas.microsoft.com/office/drawing/2014/main" id="{FD092EEF-49A7-B13A-4354-D07C09E7EC47}"/>
+                <a16:creationId xmlns:a16="http://schemas.microsoft.com/office/drawing/2014/main" id="{5D82ACD3-A57E-3C59-0309-832BA75CDCE5}"/>
               </a:ext>
             </a:extLst>
           </p:cNvPr>
@@ -1318,7 +1318,7 @@
           <p:cNvPr id="4" name="内容占位符 3">
             <a:extLst>
               <a:ext uri="{FF2B5EF4-FFF2-40B4-BE49-F238E27FC236}">
-                <a16:creationId xmlns:a16="http://schemas.microsoft.com/office/drawing/2014/main" id="{A9260698-9D9C-06C9-42C0-6DA07271B083}"/>
+                <a16:creationId xmlns:a16="http://schemas.microsoft.com/office/drawing/2014/main" id="{B3F2D85D-6E2B-1B80-3B0E-29C276D7CBE6}"/>
               </a:ext>
             </a:extLst>
           </p:cNvPr>
@@ -1380,7 +1380,7 @@
           <p:cNvPr id="5" name="日期占位符 4">
             <a:extLst>
               <a:ext uri="{FF2B5EF4-FFF2-40B4-BE49-F238E27FC236}">
-                <a16:creationId xmlns:a16="http://schemas.microsoft.com/office/drawing/2014/main" id="{2A610AEE-99F8-EF42-978F-4C3007095D8A}"/>
+                <a16:creationId xmlns:a16="http://schemas.microsoft.com/office/drawing/2014/main" id="{5582E0E5-E79F-30E3-AC56-88F8C11891C6}"/>
               </a:ext>
             </a:extLst>
           </p:cNvPr>
@@ -1396,7 +1396,7 @@
           <a:bodyPr/>
           <a:lstStyle/>
           <a:p>
-            <a:fld id="{192A2C12-CB33-4C35-8235-4AF5959A2EAA}" type="datetimeFigureOut">
+            <a:fld id="{F5DB75EA-6DD8-46CB-B96D-7F4B58669B39}" type="datetimeFigureOut">
               <a:rPr lang="zh-CN" altLang="en-US" smtClean="0"/>
               <a:t>2024/3/10</a:t>
             </a:fld>
@@ -1409,7 +1409,7 @@
           <p:cNvPr id="6" name="页脚占位符 5">
             <a:extLst>
               <a:ext uri="{FF2B5EF4-FFF2-40B4-BE49-F238E27FC236}">
-                <a16:creationId xmlns:a16="http://schemas.microsoft.com/office/drawing/2014/main" id="{929748EC-9074-2D5D-7DB8-0BCAF53264EF}"/>
+                <a16:creationId xmlns:a16="http://schemas.microsoft.com/office/drawing/2014/main" id="{25A5C061-C340-4874-ED29-7F06AD064A52}"/>
               </a:ext>
             </a:extLst>
           </p:cNvPr>
@@ -1434,7 +1434,7 @@
           <p:cNvPr id="7" name="灯片编号占位符 6">
             <a:extLst>
               <a:ext uri="{FF2B5EF4-FFF2-40B4-BE49-F238E27FC236}">
-                <a16:creationId xmlns:a16="http://schemas.microsoft.com/office/drawing/2014/main" id="{69273ACA-C0A5-AE40-2F0E-AE94DE52AAF4}"/>
+                <a16:creationId xmlns:a16="http://schemas.microsoft.com/office/drawing/2014/main" id="{2742C79A-96DC-0F07-6E0D-93A534F637FF}"/>
               </a:ext>
             </a:extLst>
           </p:cNvPr>
@@ -1450,7 +1450,7 @@
           <a:bodyPr/>
           <a:lstStyle/>
           <a:p>
-            <a:fld id="{006BC9CF-6EEB-49D4-9DC8-1C5B83F5C556}" type="slidenum">
+            <a:fld id="{3A0CD689-1B7D-476A-9109-2A72EC7AB650}" type="slidenum">
               <a:rPr lang="zh-CN" altLang="en-US" smtClean="0"/>
               <a:t>‹#›</a:t>
             </a:fld>
@@ -1461,7 +1461,7 @@
     </p:spTree>
     <p:extLst>
       <p:ext uri="{BB962C8B-B14F-4D97-AF65-F5344CB8AC3E}">
-        <p14:creationId xmlns:p14="http://schemas.microsoft.com/office/powerpoint/2010/main" val="675314449"/>
+        <p14:creationId xmlns:p14="http://schemas.microsoft.com/office/powerpoint/2010/main" val="4168206577"/>
       </p:ext>
     </p:extLst>
   </p:cSld>
@@ -1493,7 +1493,7 @@
           <p:cNvPr id="2" name="标题 1">
             <a:extLst>
               <a:ext uri="{FF2B5EF4-FFF2-40B4-BE49-F238E27FC236}">
-                <a16:creationId xmlns:a16="http://schemas.microsoft.com/office/drawing/2014/main" id="{2714ABD8-59EA-AC7D-8D9D-DD62E48A1B98}"/>
+                <a16:creationId xmlns:a16="http://schemas.microsoft.com/office/drawing/2014/main" id="{0710EECA-AEAA-2D0B-0BF0-7F835F4DB724}"/>
               </a:ext>
             </a:extLst>
           </p:cNvPr>
@@ -1526,7 +1526,7 @@
           <p:cNvPr id="3" name="文本占位符 2">
             <a:extLst>
               <a:ext uri="{FF2B5EF4-FFF2-40B4-BE49-F238E27FC236}">
-                <a16:creationId xmlns:a16="http://schemas.microsoft.com/office/drawing/2014/main" id="{F5B59C48-ECD9-F1D5-98CB-0B4951759075}"/>
+                <a16:creationId xmlns:a16="http://schemas.microsoft.com/office/drawing/2014/main" id="{F813D620-67EF-2B58-A6BE-02B2D4EAACE0}"/>
               </a:ext>
             </a:extLst>
           </p:cNvPr>
@@ -1597,7 +1597,7 @@
           <p:cNvPr id="4" name="内容占位符 3">
             <a:extLst>
               <a:ext uri="{FF2B5EF4-FFF2-40B4-BE49-F238E27FC236}">
-                <a16:creationId xmlns:a16="http://schemas.microsoft.com/office/drawing/2014/main" id="{954AAD4B-AC1B-F9FD-D949-6AC8699D515C}"/>
+                <a16:creationId xmlns:a16="http://schemas.microsoft.com/office/drawing/2014/main" id="{39B6F99C-BC82-C872-5D22-61B729BFB3DD}"/>
               </a:ext>
             </a:extLst>
           </p:cNvPr>
@@ -1659,7 +1659,7 @@
           <p:cNvPr id="5" name="文本占位符 4">
             <a:extLst>
               <a:ext uri="{FF2B5EF4-FFF2-40B4-BE49-F238E27FC236}">
-                <a16:creationId xmlns:a16="http://schemas.microsoft.com/office/drawing/2014/main" id="{71EDF746-3390-E550-EF26-C934C9DACE22}"/>
+                <a16:creationId xmlns:a16="http://schemas.microsoft.com/office/drawing/2014/main" id="{9607C049-A238-C0CF-D329-D012E5CE996D}"/>
               </a:ext>
             </a:extLst>
           </p:cNvPr>
@@ -1730,7 +1730,7 @@
           <p:cNvPr id="6" name="内容占位符 5">
             <a:extLst>
               <a:ext uri="{FF2B5EF4-FFF2-40B4-BE49-F238E27FC236}">
-                <a16:creationId xmlns:a16="http://schemas.microsoft.com/office/drawing/2014/main" id="{475BE11A-9CDE-940C-0E79-67FC7F6BDBF6}"/>
+                <a16:creationId xmlns:a16="http://schemas.microsoft.com/office/drawing/2014/main" id="{07454D33-3950-DF2B-D13A-69D1F18DDD37}"/>
               </a:ext>
             </a:extLst>
           </p:cNvPr>
@@ -1792,7 +1792,7 @@
           <p:cNvPr id="7" name="日期占位符 6">
             <a:extLst>
               <a:ext uri="{FF2B5EF4-FFF2-40B4-BE49-F238E27FC236}">
-                <a16:creationId xmlns:a16="http://schemas.microsoft.com/office/drawing/2014/main" id="{AA0E5A7E-094B-E0B3-A27A-13854102E39E}"/>
+                <a16:creationId xmlns:a16="http://schemas.microsoft.com/office/drawing/2014/main" id="{1EAA3333-B2A0-0E75-7606-6CF28F3CD4B6}"/>
               </a:ext>
             </a:extLst>
           </p:cNvPr>
@@ -1808,7 +1808,7 @@
           <a:bodyPr/>
           <a:lstStyle/>
           <a:p>
-            <a:fld id="{192A2C12-CB33-4C35-8235-4AF5959A2EAA}" type="datetimeFigureOut">
+            <a:fld id="{F5DB75EA-6DD8-46CB-B96D-7F4B58669B39}" type="datetimeFigureOut">
               <a:rPr lang="zh-CN" altLang="en-US" smtClean="0"/>
               <a:t>2024/3/10</a:t>
             </a:fld>
@@ -1821,7 +1821,7 @@
           <p:cNvPr id="8" name="页脚占位符 7">
             <a:extLst>
               <a:ext uri="{FF2B5EF4-FFF2-40B4-BE49-F238E27FC236}">
-                <a16:creationId xmlns:a16="http://schemas.microsoft.com/office/drawing/2014/main" id="{338B2987-EBE3-7E88-B959-5AEBBFF405CF}"/>
+                <a16:creationId xmlns:a16="http://schemas.microsoft.com/office/drawing/2014/main" id="{2F6E5C44-01EF-427B-5D1B-5D6C68498C10}"/>
               </a:ext>
             </a:extLst>
           </p:cNvPr>
@@ -1846,7 +1846,7 @@
           <p:cNvPr id="9" name="灯片编号占位符 8">
             <a:extLst>
               <a:ext uri="{FF2B5EF4-FFF2-40B4-BE49-F238E27FC236}">
-                <a16:creationId xmlns:a16="http://schemas.microsoft.com/office/drawing/2014/main" id="{56B34E03-3DA0-863C-5A3E-E7DADAC161F7}"/>
+                <a16:creationId xmlns:a16="http://schemas.microsoft.com/office/drawing/2014/main" id="{5F87A360-CD5C-4F8A-0E4B-0D689A62E03E}"/>
               </a:ext>
             </a:extLst>
           </p:cNvPr>
@@ -1862,7 +1862,7 @@
           <a:bodyPr/>
           <a:lstStyle/>
           <a:p>
-            <a:fld id="{006BC9CF-6EEB-49D4-9DC8-1C5B83F5C556}" type="slidenum">
+            <a:fld id="{3A0CD689-1B7D-476A-9109-2A72EC7AB650}" type="slidenum">
               <a:rPr lang="zh-CN" altLang="en-US" smtClean="0"/>
               <a:t>‹#›</a:t>
             </a:fld>
@@ -1873,7 +1873,7 @@
     </p:spTree>
     <p:extLst>
       <p:ext uri="{BB962C8B-B14F-4D97-AF65-F5344CB8AC3E}">
-        <p14:creationId xmlns:p14="http://schemas.microsoft.com/office/powerpoint/2010/main" val="994300656"/>
+        <p14:creationId xmlns:p14="http://schemas.microsoft.com/office/powerpoint/2010/main" val="735185117"/>
       </p:ext>
     </p:extLst>
   </p:cSld>
@@ -1905,7 +1905,7 @@
           <p:cNvPr id="2" name="标题 1">
             <a:extLst>
               <a:ext uri="{FF2B5EF4-FFF2-40B4-BE49-F238E27FC236}">
-                <a16:creationId xmlns:a16="http://schemas.microsoft.com/office/drawing/2014/main" id="{4EB82D8A-C148-552A-F111-133222B3D96E}"/>
+                <a16:creationId xmlns:a16="http://schemas.microsoft.com/office/drawing/2014/main" id="{A78BFFB2-385C-9693-AC4A-4B2C7DB981A5}"/>
               </a:ext>
             </a:extLst>
           </p:cNvPr>
@@ -1933,7 +1933,7 @@
           <p:cNvPr id="3" name="日期占位符 2">
             <a:extLst>
               <a:ext uri="{FF2B5EF4-FFF2-40B4-BE49-F238E27FC236}">
-                <a16:creationId xmlns:a16="http://schemas.microsoft.com/office/drawing/2014/main" id="{C6C2F69C-D62F-245D-25EA-AA6170D02113}"/>
+                <a16:creationId xmlns:a16="http://schemas.microsoft.com/office/drawing/2014/main" id="{D409FF82-7B36-7FC4-BD7B-4E4EAA5BED4D}"/>
               </a:ext>
             </a:extLst>
           </p:cNvPr>
@@ -1949,7 +1949,7 @@
           <a:bodyPr/>
           <a:lstStyle/>
           <a:p>
-            <a:fld id="{192A2C12-CB33-4C35-8235-4AF5959A2EAA}" type="datetimeFigureOut">
+            <a:fld id="{F5DB75EA-6DD8-46CB-B96D-7F4B58669B39}" type="datetimeFigureOut">
               <a:rPr lang="zh-CN" altLang="en-US" smtClean="0"/>
               <a:t>2024/3/10</a:t>
             </a:fld>
@@ -1962,7 +1962,7 @@
           <p:cNvPr id="4" name="页脚占位符 3">
             <a:extLst>
               <a:ext uri="{FF2B5EF4-FFF2-40B4-BE49-F238E27FC236}">
-                <a16:creationId xmlns:a16="http://schemas.microsoft.com/office/drawing/2014/main" id="{FA38DA1B-CBD9-086A-2F38-8A6AAD25281B}"/>
+                <a16:creationId xmlns:a16="http://schemas.microsoft.com/office/drawing/2014/main" id="{533EC129-A54C-D56F-31DB-9552C8F88E90}"/>
               </a:ext>
             </a:extLst>
           </p:cNvPr>
@@ -1987,7 +1987,7 @@
           <p:cNvPr id="5" name="灯片编号占位符 4">
             <a:extLst>
               <a:ext uri="{FF2B5EF4-FFF2-40B4-BE49-F238E27FC236}">
-                <a16:creationId xmlns:a16="http://schemas.microsoft.com/office/drawing/2014/main" id="{25FF3464-7131-35AA-06EC-8A6716F3333B}"/>
+                <a16:creationId xmlns:a16="http://schemas.microsoft.com/office/drawing/2014/main" id="{861AC27D-9086-BFC7-DF34-CC64DB29DA38}"/>
               </a:ext>
             </a:extLst>
           </p:cNvPr>
@@ -2003,7 +2003,7 @@
           <a:bodyPr/>
           <a:lstStyle/>
           <a:p>
-            <a:fld id="{006BC9CF-6EEB-49D4-9DC8-1C5B83F5C556}" type="slidenum">
+            <a:fld id="{3A0CD689-1B7D-476A-9109-2A72EC7AB650}" type="slidenum">
               <a:rPr lang="zh-CN" altLang="en-US" smtClean="0"/>
               <a:t>‹#›</a:t>
             </a:fld>
@@ -2014,7 +2014,7 @@
     </p:spTree>
     <p:extLst>
       <p:ext uri="{BB962C8B-B14F-4D97-AF65-F5344CB8AC3E}">
-        <p14:creationId xmlns:p14="http://schemas.microsoft.com/office/powerpoint/2010/main" val="3236046295"/>
+        <p14:creationId xmlns:p14="http://schemas.microsoft.com/office/powerpoint/2010/main" val="2409878595"/>
       </p:ext>
     </p:extLst>
   </p:cSld>
@@ -2046,7 +2046,7 @@
           <p:cNvPr id="2" name="日期占位符 1">
             <a:extLst>
               <a:ext uri="{FF2B5EF4-FFF2-40B4-BE49-F238E27FC236}">
-                <a16:creationId xmlns:a16="http://schemas.microsoft.com/office/drawing/2014/main" id="{083EBAB2-15A4-64A7-0E37-91BF1C7AC96A}"/>
+                <a16:creationId xmlns:a16="http://schemas.microsoft.com/office/drawing/2014/main" id="{36FBAA85-BEBA-1701-4D18-EABF75E66B07}"/>
               </a:ext>
             </a:extLst>
           </p:cNvPr>
@@ -2062,7 +2062,7 @@
           <a:bodyPr/>
           <a:lstStyle/>
           <a:p>
-            <a:fld id="{192A2C12-CB33-4C35-8235-4AF5959A2EAA}" type="datetimeFigureOut">
+            <a:fld id="{F5DB75EA-6DD8-46CB-B96D-7F4B58669B39}" type="datetimeFigureOut">
               <a:rPr lang="zh-CN" altLang="en-US" smtClean="0"/>
               <a:t>2024/3/10</a:t>
             </a:fld>
@@ -2075,7 +2075,7 @@
           <p:cNvPr id="3" name="页脚占位符 2">
             <a:extLst>
               <a:ext uri="{FF2B5EF4-FFF2-40B4-BE49-F238E27FC236}">
-                <a16:creationId xmlns:a16="http://schemas.microsoft.com/office/drawing/2014/main" id="{B266AAF2-95C6-6439-F349-8255CCD09E5A}"/>
+                <a16:creationId xmlns:a16="http://schemas.microsoft.com/office/drawing/2014/main" id="{A0914EC2-9D00-302C-B9B9-1D3C020A245B}"/>
               </a:ext>
             </a:extLst>
           </p:cNvPr>
@@ -2100,7 +2100,7 @@
           <p:cNvPr id="4" name="灯片编号占位符 3">
             <a:extLst>
               <a:ext uri="{FF2B5EF4-FFF2-40B4-BE49-F238E27FC236}">
-                <a16:creationId xmlns:a16="http://schemas.microsoft.com/office/drawing/2014/main" id="{44654AD9-7B24-2209-4CA9-55A0CFB5BE60}"/>
+                <a16:creationId xmlns:a16="http://schemas.microsoft.com/office/drawing/2014/main" id="{7DCE0625-CEEF-49FC-278B-0DF957E213E7}"/>
               </a:ext>
             </a:extLst>
           </p:cNvPr>
@@ -2116,7 +2116,7 @@
           <a:bodyPr/>
           <a:lstStyle/>
           <a:p>
-            <a:fld id="{006BC9CF-6EEB-49D4-9DC8-1C5B83F5C556}" type="slidenum">
+            <a:fld id="{3A0CD689-1B7D-476A-9109-2A72EC7AB650}" type="slidenum">
               <a:rPr lang="zh-CN" altLang="en-US" smtClean="0"/>
               <a:t>‹#›</a:t>
             </a:fld>
@@ -2127,7 +2127,7 @@
     </p:spTree>
     <p:extLst>
       <p:ext uri="{BB962C8B-B14F-4D97-AF65-F5344CB8AC3E}">
-        <p14:creationId xmlns:p14="http://schemas.microsoft.com/office/powerpoint/2010/main" val="466278775"/>
+        <p14:creationId xmlns:p14="http://schemas.microsoft.com/office/powerpoint/2010/main" val="3257634078"/>
       </p:ext>
     </p:extLst>
   </p:cSld>
@@ -2159,7 +2159,7 @@
           <p:cNvPr id="2" name="标题 1">
             <a:extLst>
               <a:ext uri="{FF2B5EF4-FFF2-40B4-BE49-F238E27FC236}">
-                <a16:creationId xmlns:a16="http://schemas.microsoft.com/office/drawing/2014/main" id="{D7B81FB0-40BB-90D1-9160-FD0D56881AFC}"/>
+                <a16:creationId xmlns:a16="http://schemas.microsoft.com/office/drawing/2014/main" id="{5DBE5A6E-FFEB-9315-9DC0-45D584B12B4D}"/>
               </a:ext>
             </a:extLst>
           </p:cNvPr>
@@ -2196,7 +2196,7 @@
           <p:cNvPr id="3" name="内容占位符 2">
             <a:extLst>
               <a:ext uri="{FF2B5EF4-FFF2-40B4-BE49-F238E27FC236}">
-                <a16:creationId xmlns:a16="http://schemas.microsoft.com/office/drawing/2014/main" id="{ED58429C-D0DD-3276-CDAB-20241E1C52B8}"/>
+                <a16:creationId xmlns:a16="http://schemas.microsoft.com/office/drawing/2014/main" id="{EA3B3E1D-4B87-ECE7-C182-04C89FF31C43}"/>
               </a:ext>
             </a:extLst>
           </p:cNvPr>
@@ -2286,7 +2286,7 @@
           <p:cNvPr id="4" name="文本占位符 3">
             <a:extLst>
               <a:ext uri="{FF2B5EF4-FFF2-40B4-BE49-F238E27FC236}">
-                <a16:creationId xmlns:a16="http://schemas.microsoft.com/office/drawing/2014/main" id="{7F70C891-2D25-5F5E-773A-6548FA7989C0}"/>
+                <a16:creationId xmlns:a16="http://schemas.microsoft.com/office/drawing/2014/main" id="{72AE8E96-00B5-DFDF-E77B-AF488BAD3B54}"/>
               </a:ext>
             </a:extLst>
           </p:cNvPr>
@@ -2357,7 +2357,7 @@
           <p:cNvPr id="5" name="日期占位符 4">
             <a:extLst>
               <a:ext uri="{FF2B5EF4-FFF2-40B4-BE49-F238E27FC236}">
-                <a16:creationId xmlns:a16="http://schemas.microsoft.com/office/drawing/2014/main" id="{F3E70EFF-91E2-2984-9D62-C63A4155BABE}"/>
+                <a16:creationId xmlns:a16="http://schemas.microsoft.com/office/drawing/2014/main" id="{46F0AD95-436B-0016-70D0-4F8C753540CC}"/>
               </a:ext>
             </a:extLst>
           </p:cNvPr>
@@ -2373,7 +2373,7 @@
           <a:bodyPr/>
           <a:lstStyle/>
           <a:p>
-            <a:fld id="{192A2C12-CB33-4C35-8235-4AF5959A2EAA}" type="datetimeFigureOut">
+            <a:fld id="{F5DB75EA-6DD8-46CB-B96D-7F4B58669B39}" type="datetimeFigureOut">
               <a:rPr lang="zh-CN" altLang="en-US" smtClean="0"/>
               <a:t>2024/3/10</a:t>
             </a:fld>
@@ -2386,7 +2386,7 @@
           <p:cNvPr id="6" name="页脚占位符 5">
             <a:extLst>
               <a:ext uri="{FF2B5EF4-FFF2-40B4-BE49-F238E27FC236}">
-                <a16:creationId xmlns:a16="http://schemas.microsoft.com/office/drawing/2014/main" id="{7289C892-D5DC-3000-CA9A-6B5C4BC60933}"/>
+                <a16:creationId xmlns:a16="http://schemas.microsoft.com/office/drawing/2014/main" id="{3B30C9F6-D2B0-64CF-A31C-020ED74CA100}"/>
               </a:ext>
             </a:extLst>
           </p:cNvPr>
@@ -2411,7 +2411,7 @@
           <p:cNvPr id="7" name="灯片编号占位符 6">
             <a:extLst>
               <a:ext uri="{FF2B5EF4-FFF2-40B4-BE49-F238E27FC236}">
-                <a16:creationId xmlns:a16="http://schemas.microsoft.com/office/drawing/2014/main" id="{08D00CB0-FD9B-89A5-D310-AF8ADBD3F1DA}"/>
+                <a16:creationId xmlns:a16="http://schemas.microsoft.com/office/drawing/2014/main" id="{BFAF0569-FBC9-F150-B4CF-6951902A0AB3}"/>
               </a:ext>
             </a:extLst>
           </p:cNvPr>
@@ -2427,7 +2427,7 @@
           <a:bodyPr/>
           <a:lstStyle/>
           <a:p>
-            <a:fld id="{006BC9CF-6EEB-49D4-9DC8-1C5B83F5C556}" type="slidenum">
+            <a:fld id="{3A0CD689-1B7D-476A-9109-2A72EC7AB650}" type="slidenum">
               <a:rPr lang="zh-CN" altLang="en-US" smtClean="0"/>
               <a:t>‹#›</a:t>
             </a:fld>
@@ -2438,7 +2438,7 @@
     </p:spTree>
     <p:extLst>
       <p:ext uri="{BB962C8B-B14F-4D97-AF65-F5344CB8AC3E}">
-        <p14:creationId xmlns:p14="http://schemas.microsoft.com/office/powerpoint/2010/main" val="3941461110"/>
+        <p14:creationId xmlns:p14="http://schemas.microsoft.com/office/powerpoint/2010/main" val="1625189853"/>
       </p:ext>
     </p:extLst>
   </p:cSld>
@@ -2470,7 +2470,7 @@
           <p:cNvPr id="2" name="标题 1">
             <a:extLst>
               <a:ext uri="{FF2B5EF4-FFF2-40B4-BE49-F238E27FC236}">
-                <a16:creationId xmlns:a16="http://schemas.microsoft.com/office/drawing/2014/main" id="{1103A268-EAB3-187D-24DD-F4D27DAFE68B}"/>
+                <a16:creationId xmlns:a16="http://schemas.microsoft.com/office/drawing/2014/main" id="{04A71161-EBCF-0998-BEB5-A40E9D81C2CF}"/>
               </a:ext>
             </a:extLst>
           </p:cNvPr>
@@ -2507,7 +2507,7 @@
           <p:cNvPr id="3" name="图片占位符 2">
             <a:extLst>
               <a:ext uri="{FF2B5EF4-FFF2-40B4-BE49-F238E27FC236}">
-                <a16:creationId xmlns:a16="http://schemas.microsoft.com/office/drawing/2014/main" id="{B333D93C-82DB-6511-661B-4655D6FB1F81}"/>
+                <a16:creationId xmlns:a16="http://schemas.microsoft.com/office/drawing/2014/main" id="{AE445F4B-F283-94D3-76C8-B273A39343A0}"/>
               </a:ext>
             </a:extLst>
           </p:cNvPr>
@@ -2574,7 +2574,7 @@
           <p:cNvPr id="4" name="文本占位符 3">
             <a:extLst>
               <a:ext uri="{FF2B5EF4-FFF2-40B4-BE49-F238E27FC236}">
-                <a16:creationId xmlns:a16="http://schemas.microsoft.com/office/drawing/2014/main" id="{767F9B60-CD2D-2C05-FE8D-B6180A87720A}"/>
+                <a16:creationId xmlns:a16="http://schemas.microsoft.com/office/drawing/2014/main" id="{B1B81CF1-94B5-C9F0-78BB-4C742C4C7DAB}"/>
               </a:ext>
             </a:extLst>
           </p:cNvPr>
@@ -2645,7 +2645,7 @@
           <p:cNvPr id="5" name="日期占位符 4">
             <a:extLst>
               <a:ext uri="{FF2B5EF4-FFF2-40B4-BE49-F238E27FC236}">
-                <a16:creationId xmlns:a16="http://schemas.microsoft.com/office/drawing/2014/main" id="{BDE8169F-B0F4-DBEE-9ABB-645017128DF8}"/>
+                <a16:creationId xmlns:a16="http://schemas.microsoft.com/office/drawing/2014/main" id="{60E24736-C667-1EA9-A195-1BF06E0AC2EB}"/>
               </a:ext>
             </a:extLst>
           </p:cNvPr>
@@ -2661,7 +2661,7 @@
           <a:bodyPr/>
           <a:lstStyle/>
           <a:p>
-            <a:fld id="{192A2C12-CB33-4C35-8235-4AF5959A2EAA}" type="datetimeFigureOut">
+            <a:fld id="{F5DB75EA-6DD8-46CB-B96D-7F4B58669B39}" type="datetimeFigureOut">
               <a:rPr lang="zh-CN" altLang="en-US" smtClean="0"/>
               <a:t>2024/3/10</a:t>
             </a:fld>
@@ -2674,7 +2674,7 @@
           <p:cNvPr id="6" name="页脚占位符 5">
             <a:extLst>
               <a:ext uri="{FF2B5EF4-FFF2-40B4-BE49-F238E27FC236}">
-                <a16:creationId xmlns:a16="http://schemas.microsoft.com/office/drawing/2014/main" id="{3FAB17E4-957F-3193-0127-71DECDAFE7B8}"/>
+                <a16:creationId xmlns:a16="http://schemas.microsoft.com/office/drawing/2014/main" id="{EC000DF0-7A9F-5666-8A29-385B5A12AD60}"/>
               </a:ext>
             </a:extLst>
           </p:cNvPr>
@@ -2699,7 +2699,7 @@
           <p:cNvPr id="7" name="灯片编号占位符 6">
             <a:extLst>
               <a:ext uri="{FF2B5EF4-FFF2-40B4-BE49-F238E27FC236}">
-                <a16:creationId xmlns:a16="http://schemas.microsoft.com/office/drawing/2014/main" id="{D75830A2-0563-8661-22C5-BAECBDAB1A62}"/>
+                <a16:creationId xmlns:a16="http://schemas.microsoft.com/office/drawing/2014/main" id="{FDDDEB2C-8C5A-B50A-56CF-C3E0743BAF9B}"/>
               </a:ext>
             </a:extLst>
           </p:cNvPr>
@@ -2715,7 +2715,7 @@
           <a:bodyPr/>
           <a:lstStyle/>
           <a:p>
-            <a:fld id="{006BC9CF-6EEB-49D4-9DC8-1C5B83F5C556}" type="slidenum">
+            <a:fld id="{3A0CD689-1B7D-476A-9109-2A72EC7AB650}" type="slidenum">
               <a:rPr lang="zh-CN" altLang="en-US" smtClean="0"/>
               <a:t>‹#›</a:t>
             </a:fld>
@@ -2726,7 +2726,7 @@
     </p:spTree>
     <p:extLst>
       <p:ext uri="{BB962C8B-B14F-4D97-AF65-F5344CB8AC3E}">
-        <p14:creationId xmlns:p14="http://schemas.microsoft.com/office/powerpoint/2010/main" val="2001378877"/>
+        <p14:creationId xmlns:p14="http://schemas.microsoft.com/office/powerpoint/2010/main" val="3265381832"/>
       </p:ext>
     </p:extLst>
   </p:cSld>
@@ -2763,7 +2763,7 @@
           <p:cNvPr id="2" name="标题占位符 1">
             <a:extLst>
               <a:ext uri="{FF2B5EF4-FFF2-40B4-BE49-F238E27FC236}">
-                <a16:creationId xmlns:a16="http://schemas.microsoft.com/office/drawing/2014/main" id="{B73CCB59-1B7E-4F3C-4562-DA180CADCB6A}"/>
+                <a16:creationId xmlns:a16="http://schemas.microsoft.com/office/drawing/2014/main" id="{0789CF65-AC82-DB0A-34A9-A09D389C9ED0}"/>
               </a:ext>
             </a:extLst>
           </p:cNvPr>
@@ -2801,7 +2801,7 @@
           <p:cNvPr id="3" name="文本占位符 2">
             <a:extLst>
               <a:ext uri="{FF2B5EF4-FFF2-40B4-BE49-F238E27FC236}">
-                <a16:creationId xmlns:a16="http://schemas.microsoft.com/office/drawing/2014/main" id="{445B3A39-ACA5-38F8-4C59-79B38C558379}"/>
+                <a16:creationId xmlns:a16="http://schemas.microsoft.com/office/drawing/2014/main" id="{9FC9AD22-BB46-E0E7-120E-83106199FF93}"/>
               </a:ext>
             </a:extLst>
           </p:cNvPr>
@@ -2868,7 +2868,7 @@
           <p:cNvPr id="4" name="日期占位符 3">
             <a:extLst>
               <a:ext uri="{FF2B5EF4-FFF2-40B4-BE49-F238E27FC236}">
-                <a16:creationId xmlns:a16="http://schemas.microsoft.com/office/drawing/2014/main" id="{70A5EAEE-CA29-BBDC-C081-55FA3E443B09}"/>
+                <a16:creationId xmlns:a16="http://schemas.microsoft.com/office/drawing/2014/main" id="{7A52807B-080C-39AA-212A-49F2BF97222A}"/>
               </a:ext>
             </a:extLst>
           </p:cNvPr>
@@ -2902,7 +2902,7 @@
             </a:lvl1pPr>
           </a:lstStyle>
           <a:p>
-            <a:fld id="{192A2C12-CB33-4C35-8235-4AF5959A2EAA}" type="datetimeFigureOut">
+            <a:fld id="{F5DB75EA-6DD8-46CB-B96D-7F4B58669B39}" type="datetimeFigureOut">
               <a:rPr lang="zh-CN" altLang="en-US" smtClean="0"/>
               <a:t>2024/3/10</a:t>
             </a:fld>
@@ -2915,7 +2915,7 @@
           <p:cNvPr id="5" name="页脚占位符 4">
             <a:extLst>
               <a:ext uri="{FF2B5EF4-FFF2-40B4-BE49-F238E27FC236}">
-                <a16:creationId xmlns:a16="http://schemas.microsoft.com/office/drawing/2014/main" id="{42E7C8CE-073E-6CBE-8015-63B359D98EEA}"/>
+                <a16:creationId xmlns:a16="http://schemas.microsoft.com/office/drawing/2014/main" id="{0DDD0238-4243-1016-97FF-A7BA83C781D9}"/>
               </a:ext>
             </a:extLst>
           </p:cNvPr>
@@ -2958,7 +2958,7 @@
           <p:cNvPr id="6" name="灯片编号占位符 5">
             <a:extLst>
               <a:ext uri="{FF2B5EF4-FFF2-40B4-BE49-F238E27FC236}">
-                <a16:creationId xmlns:a16="http://schemas.microsoft.com/office/drawing/2014/main" id="{FDFF4C0E-5EBC-77F5-D0FA-FA25ECD5E0A9}"/>
+                <a16:creationId xmlns:a16="http://schemas.microsoft.com/office/drawing/2014/main" id="{E6DD5AFB-226E-B14E-BAAF-A5EC13B3DF0C}"/>
               </a:ext>
             </a:extLst>
           </p:cNvPr>
@@ -2992,7 +2992,7 @@
             </a:lvl1pPr>
           </a:lstStyle>
           <a:p>
-            <a:fld id="{006BC9CF-6EEB-49D4-9DC8-1C5B83F5C556}" type="slidenum">
+            <a:fld id="{3A0CD689-1B7D-476A-9109-2A72EC7AB650}" type="slidenum">
               <a:rPr lang="zh-CN" altLang="en-US" smtClean="0"/>
               <a:t>‹#›</a:t>
             </a:fld>
@@ -3003,7 +3003,7 @@
     </p:spTree>
     <p:extLst>
       <p:ext uri="{BB962C8B-B14F-4D97-AF65-F5344CB8AC3E}">
-        <p14:creationId xmlns:p14="http://schemas.microsoft.com/office/powerpoint/2010/main" val="3245838892"/>
+        <p14:creationId xmlns:p14="http://schemas.microsoft.com/office/powerpoint/2010/main" val="982158789"/>
       </p:ext>
     </p:extLst>
   </p:cSld>
@@ -3323,7 +3323,7 @@
       </p:grpSpPr>
       <p:pic>
         <p:nvPicPr>
-          <p:cNvPr id="512002" name="Picture 2" descr="499"/>
+          <p:cNvPr id="513026" name="Picture 2" descr="500"/>
           <p:cNvPicPr>
             <a:picLocks noChangeAspect="1" noChangeArrowheads="1"/>
           </p:cNvPicPr>
@@ -3344,8 +3344,8 @@
         </p:blipFill>
         <p:spPr bwMode="auto">
           <a:xfrm>
-            <a:off x="1524000" y="1"/>
-            <a:ext cx="9144000" cy="6454775"/>
+            <a:off x="1524000" y="0"/>
+            <a:ext cx="9144000" cy="6858000"/>
           </a:xfrm>
           <a:prstGeom prst="rect">
             <a:avLst/>
@@ -3377,7 +3377,7 @@
       </p:pic>
       <p:pic>
         <p:nvPicPr>
-          <p:cNvPr id="513027" name="Picture 3" descr="499-2"/>
+          <p:cNvPr id="514051" name="Picture 3" descr="500-2"/>
           <p:cNvPicPr>
             <a:picLocks noChangeAspect="1" noChangeArrowheads="1"/>
           </p:cNvPicPr>
@@ -3398,8 +3398,8 @@
         </p:blipFill>
         <p:spPr bwMode="auto">
           <a:xfrm>
-            <a:off x="1524000" y="1"/>
-            <a:ext cx="9144000" cy="6526213"/>
+            <a:off x="1524000" y="-11113"/>
+            <a:ext cx="9144000" cy="6221413"/>
           </a:xfrm>
           <a:prstGeom prst="rect">
             <a:avLst/>
@@ -3478,7 +3478,7 @@
                                           </p:stCondLst>
                                         </p:cTn>
                                         <p:tgtEl>
-                                          <p:spTgt spid="513027"/>
+                                          <p:spTgt spid="514051"/>
                                         </p:tgtEl>
                                         <p:attrNameLst>
                                           <p:attrName>style.visibility</p:attrName>
@@ -3492,7 +3492,7 @@
                                       <p:cBhvr>
                                         <p:cTn id="7" dur="500"/>
                                         <p:tgtEl>
-                                          <p:spTgt spid="513027"/>
+                                          <p:spTgt spid="514051"/>
                                         </p:tgtEl>
                                       </p:cBhvr>
                                     </p:animEffect>
